--- a/6475/Final_Report.pptx
+++ b/6475/Final_Report.pptx
@@ -10318,7 +10318,7 @@
         </p:nvSpPr>
         <p:spPr>
           <a:xfrm>
-            <a:off x="457200" y="-291203"/>
+            <a:off x="457200" y="0"/>
             <a:ext cx="8229600" cy="857400"/>
           </a:xfrm>
           <a:prstGeom prst="rect">
@@ -10361,7 +10361,7 @@
         </p:nvSpPr>
         <p:spPr>
           <a:xfrm>
-            <a:off x="457200" y="438150"/>
+            <a:off x="528320" y="857400"/>
             <a:ext cx="8229600" cy="3725699"/>
           </a:xfrm>
           <a:prstGeom prst="rect">
@@ -10385,7 +10385,7 @@
               <a:buChar char="●"/>
             </a:pPr>
             <a:r>
-              <a:rPr lang="en" sz="2400" dirty="0" smtClean="0">
+              <a:rPr lang="en" sz="2000" dirty="0" smtClean="0">
                 <a:solidFill>
                   <a:schemeClr val="dk1"/>
                 </a:solidFill>
@@ -10402,7 +10402,86 @@
                 <a:schemeClr val="dk1"/>
               </a:buClr>
             </a:pPr>
-            <a:endParaRPr lang="en" sz="2400" dirty="0" smtClean="0">
+            <a:r>
+              <a:rPr lang="en-US" sz="2000" dirty="0">
+                <a:solidFill>
+                  <a:schemeClr val="dk1"/>
+                </a:solidFill>
+                <a:hlinkClick r:id="rId3"/>
+              </a:rPr>
+              <a:t>https://</a:t>
+            </a:r>
+            <a:r>
+              <a:rPr lang="en-US" sz="2000" dirty="0" smtClean="0">
+                <a:solidFill>
+                  <a:schemeClr val="dk1"/>
+                </a:solidFill>
+                <a:hlinkClick r:id="rId3"/>
+              </a:rPr>
+              <a:t>github.com/muraligit/6475Project/blob/master/6475/Final_Report.pptx</a:t>
+            </a:r>
+            <a:endParaRPr lang="en-US" sz="2000" dirty="0" smtClean="0">
+              <a:solidFill>
+                <a:schemeClr val="dk1"/>
+              </a:solidFill>
+            </a:endParaRPr>
+          </a:p>
+          <a:p>
+            <a:pPr marL="419100" lvl="0" indent="-342900">
+              <a:spcBef>
+                <a:spcPts val="600"/>
+              </a:spcBef>
+              <a:buClr>
+                <a:schemeClr val="dk1"/>
+              </a:buClr>
+              <a:buFont typeface="Courier New" panose="02070309020205020404" pitchFamily="49" charset="0"/>
+              <a:buChar char="o"/>
+            </a:pPr>
+            <a:r>
+              <a:rPr lang="en" sz="2000" dirty="0" smtClean="0">
+                <a:solidFill>
+                  <a:schemeClr val="dk1"/>
+                </a:solidFill>
+              </a:rPr>
+              <a:t>Python </a:t>
+            </a:r>
+            <a:r>
+              <a:rPr lang="en" sz="2000" dirty="0" smtClean="0">
+                <a:solidFill>
+                  <a:schemeClr val="dk1"/>
+                </a:solidFill>
+              </a:rPr>
+              <a:t>Code: </a:t>
+            </a:r>
+          </a:p>
+          <a:p>
+            <a:pPr marL="76200" lvl="0">
+              <a:spcBef>
+                <a:spcPts val="600"/>
+              </a:spcBef>
+              <a:buClr>
+                <a:schemeClr val="dk1"/>
+              </a:buClr>
+            </a:pPr>
+            <a:r>
+              <a:rPr lang="en-US" sz="2000" dirty="0">
+                <a:solidFill>
+                  <a:schemeClr val="dk1"/>
+                </a:solidFill>
+                <a:hlinkClick r:id="rId4"/>
+              </a:rPr>
+              <a:t>https://</a:t>
+            </a:r>
+            <a:r>
+              <a:rPr lang="en-US" sz="2000" dirty="0" smtClean="0">
+                <a:solidFill>
+                  <a:schemeClr val="dk1"/>
+                </a:solidFill>
+                <a:hlinkClick r:id="rId4"/>
+              </a:rPr>
+              <a:t>github.com/muraligit/6475Project/blob/master/6475/final.py</a:t>
+            </a:r>
+            <a:endParaRPr lang="en" sz="2000" dirty="0" smtClean="0">
               <a:solidFill>
                 <a:schemeClr val="dk1"/>
               </a:solidFill>
@@ -10420,24 +10499,16 @@
               <a:buChar char="●"/>
             </a:pPr>
             <a:r>
-              <a:rPr lang="en" sz="2400" dirty="0" smtClean="0">
+              <a:rPr lang="en" sz="2000" dirty="0" smtClean="0">
                 <a:solidFill>
                   <a:schemeClr val="dk1"/>
                 </a:solidFill>
               </a:rPr>
-              <a:t>Python </a:t>
-            </a:r>
-            <a:r>
-              <a:rPr lang="en" sz="2400" dirty="0" smtClean="0">
-                <a:solidFill>
-                  <a:schemeClr val="dk1"/>
-                </a:solidFill>
-              </a:rPr>
-              <a:t>Code: </a:t>
-            </a:r>
-          </a:p>
-          <a:p>
-            <a:pPr marL="76200" lvl="0">
+              <a:t>Input Images:</a:t>
+            </a:r>
+          </a:p>
+          <a:p>
+            <a:pPr marL="76200">
               <a:spcBef>
                 <a:spcPts val="600"/>
               </a:spcBef>
@@ -10446,24 +10517,24 @@
               </a:buClr>
             </a:pPr>
             <a:r>
-              <a:rPr lang="en-US" sz="2400" dirty="0">
+              <a:rPr lang="en-US" sz="2000" dirty="0">
                 <a:solidFill>
                   <a:schemeClr val="dk1"/>
                 </a:solidFill>
-                <a:hlinkClick r:id="rId3"/>
+                <a:hlinkClick r:id="rId5"/>
               </a:rPr>
               <a:t>https://</a:t>
             </a:r>
             <a:r>
-              <a:rPr lang="en-US" sz="2400" dirty="0" smtClean="0">
+              <a:rPr lang="en-US" sz="2000" dirty="0" smtClean="0">
                 <a:solidFill>
                   <a:schemeClr val="dk1"/>
                 </a:solidFill>
-                <a:hlinkClick r:id="rId3"/>
+                <a:hlinkClick r:id="rId5"/>
               </a:rPr>
-              <a:t>github.com/muraligit/6475Project/blob/master/6475/final.py</a:t>
-            </a:r>
-            <a:endParaRPr lang="en" sz="2400" dirty="0" smtClean="0">
+              <a:t>github.com/muraligit/6475Project/tree/master/6475/input</a:t>
+            </a:r>
+            <a:endParaRPr lang="en" sz="2000" dirty="0">
               <a:solidFill>
                 <a:schemeClr val="dk1"/>
               </a:solidFill>
@@ -10481,16 +10552,16 @@
               <a:buChar char="●"/>
             </a:pPr>
             <a:r>
-              <a:rPr lang="en" sz="2400" dirty="0" smtClean="0">
+              <a:rPr lang="en" sz="2000" dirty="0" smtClean="0">
                 <a:solidFill>
                   <a:schemeClr val="dk1"/>
                 </a:solidFill>
               </a:rPr>
-              <a:t>Input Images:</a:t>
-            </a:r>
-          </a:p>
-          <a:p>
-            <a:pPr marL="76200">
+              <a:t>Output Images:</a:t>
+            </a:r>
+          </a:p>
+          <a:p>
+            <a:pPr marL="76200" lvl="0">
               <a:spcBef>
                 <a:spcPts val="600"/>
               </a:spcBef>
@@ -10499,24 +10570,39 @@
               </a:buClr>
             </a:pPr>
             <a:r>
-              <a:rPr lang="en-US" sz="2400" dirty="0">
+              <a:rPr lang="en-US" sz="2000" dirty="0">
                 <a:solidFill>
                   <a:schemeClr val="dk1"/>
                 </a:solidFill>
-                <a:hlinkClick r:id="rId4"/>
+                <a:hlinkClick r:id="rId6"/>
               </a:rPr>
               <a:t>https://</a:t>
             </a:r>
             <a:r>
-              <a:rPr lang="en-US" sz="2400" dirty="0" smtClean="0">
+              <a:rPr lang="en-US" sz="2000" dirty="0" smtClean="0">
                 <a:solidFill>
                   <a:schemeClr val="dk1"/>
                 </a:solidFill>
-                <a:hlinkClick r:id="rId4"/>
+                <a:hlinkClick r:id="rId6"/>
               </a:rPr>
-              <a:t>github.com/muraligit/6475Project/tree/master/6475/input</a:t>
-            </a:r>
-            <a:endParaRPr lang="en" sz="2400" dirty="0">
+              <a:t>github.com/muraligit/6475Project/tree/master/6475/output</a:t>
+            </a:r>
+            <a:endParaRPr lang="en-US" sz="2000" dirty="0" smtClean="0">
+              <a:solidFill>
+                <a:schemeClr val="dk1"/>
+              </a:solidFill>
+            </a:endParaRPr>
+          </a:p>
+          <a:p>
+            <a:pPr marL="76200" lvl="0">
+              <a:spcBef>
+                <a:spcPts val="600"/>
+              </a:spcBef>
+              <a:buClr>
+                <a:schemeClr val="dk1"/>
+              </a:buClr>
+            </a:pPr>
+            <a:endParaRPr lang="en" sz="2000" dirty="0">
               <a:solidFill>
                 <a:schemeClr val="dk1"/>
               </a:solidFill>
@@ -10533,75 +10619,7 @@
               <a:buFont typeface="Arial"/>
               <a:buChar char="●"/>
             </a:pPr>
-            <a:r>
-              <a:rPr lang="en" sz="2400" dirty="0" smtClean="0">
-                <a:solidFill>
-                  <a:schemeClr val="dk1"/>
-                </a:solidFill>
-              </a:rPr>
-              <a:t>Output Images:</a:t>
-            </a:r>
-          </a:p>
-          <a:p>
-            <a:pPr marL="76200" lvl="0">
-              <a:spcBef>
-                <a:spcPts val="600"/>
-              </a:spcBef>
-              <a:buClr>
-                <a:schemeClr val="dk1"/>
-              </a:buClr>
-            </a:pPr>
-            <a:r>
-              <a:rPr lang="en-US" sz="2400" dirty="0">
-                <a:solidFill>
-                  <a:schemeClr val="dk1"/>
-                </a:solidFill>
-                <a:hlinkClick r:id="rId5"/>
-              </a:rPr>
-              <a:t>https://</a:t>
-            </a:r>
-            <a:r>
-              <a:rPr lang="en-US" sz="2400" dirty="0" smtClean="0">
-                <a:solidFill>
-                  <a:schemeClr val="dk1"/>
-                </a:solidFill>
-                <a:hlinkClick r:id="rId5"/>
-              </a:rPr>
-              <a:t>github.com/muraligit/6475Project/tree/master/6475/output</a:t>
-            </a:r>
-            <a:endParaRPr lang="en-US" sz="2400" dirty="0" smtClean="0">
-              <a:solidFill>
-                <a:schemeClr val="dk1"/>
-              </a:solidFill>
-            </a:endParaRPr>
-          </a:p>
-          <a:p>
-            <a:pPr marL="76200" lvl="0">
-              <a:spcBef>
-                <a:spcPts val="600"/>
-              </a:spcBef>
-              <a:buClr>
-                <a:schemeClr val="dk1"/>
-              </a:buClr>
-            </a:pPr>
-            <a:endParaRPr lang="en" sz="2400" dirty="0">
-              <a:solidFill>
-                <a:schemeClr val="dk1"/>
-              </a:solidFill>
-            </a:endParaRPr>
-          </a:p>
-          <a:p>
-            <a:pPr marL="457200" lvl="0" indent="-381000">
-              <a:spcBef>
-                <a:spcPts val="600"/>
-              </a:spcBef>
-              <a:buClr>
-                <a:schemeClr val="dk1"/>
-              </a:buClr>
-              <a:buFont typeface="Arial"/>
-              <a:buChar char="●"/>
-            </a:pPr>
-            <a:endParaRPr lang="en" sz="2400" dirty="0">
+            <a:endParaRPr lang="en" sz="2000" dirty="0">
               <a:solidFill>
                 <a:schemeClr val="dk1"/>
               </a:solidFill>
